--- a/javappt/열혈 Java Chapter 03.pptx
+++ b/javappt/열혈 Java Chapter 03.pptx
@@ -129,10 +129,6 @@
 </p:presentation>
 </file>
 
-<file path=ppt/revisionInfo.xml><?xml version="1.0" encoding="utf-8"?>
-<p1510:revInfo xmlns:a="http://schemas.openxmlformats.org/drawingml/2006/main" xmlns:r="http://schemas.openxmlformats.org/officeDocument/2006/relationships" xmlns:p1510="http://schemas.microsoft.com/office/powerpoint/2015/10/main"/>
-</file>
-
 <file path=ppt/slideLayouts/slideLayout1.xml><?xml version="1.0" encoding="utf-8"?>
 <p:sldLayout xmlns:a="http://schemas.openxmlformats.org/drawingml/2006/main" xmlns:r="http://schemas.openxmlformats.org/officeDocument/2006/relationships" xmlns:p="http://schemas.openxmlformats.org/presentationml/2006/main" showMasterSp="0" type="title" preserve="1">
   <p:cSld name="제목 슬라이드">
@@ -359,7 +355,7 @@
           <a:p>
             <a:fld id="{4BDF68E2-58F2-4D09-BE8B-E3BD06533059}" type="datetimeFigureOut">
               <a:rPr lang="en-US" dirty="0"/>
-              <a:t>7/18/2017</a:t>
+              <a:t>7/1/2024</a:t>
             </a:fld>
             <a:endParaRPr lang="en-US" dirty="0"/>
           </a:p>
@@ -562,7 +558,7 @@
           <a:p>
             <a:fld id="{2E2D6473-DF6D-4702-B328-E0DD40540A4E}" type="datetimeFigureOut">
               <a:rPr lang="en-US" dirty="0"/>
-              <a:t>7/18/2017</a:t>
+              <a:t>7/1/2024</a:t>
             </a:fld>
             <a:endParaRPr lang="en-US" dirty="0"/>
           </a:p>
@@ -813,7 +809,7 @@
           <a:p>
             <a:fld id="{E26F7E3A-B166-407D-9866-32884E7D5B37}" type="datetimeFigureOut">
               <a:rPr lang="en-US" dirty="0"/>
-              <a:t>7/18/2017</a:t>
+              <a:t>7/1/2024</a:t>
             </a:fld>
             <a:endParaRPr lang="en-US" dirty="0"/>
           </a:p>
@@ -982,7 +978,7 @@
           <a:p>
             <a:fld id="{528FC5F6-F338-4AE4-BB23-26385BCFC423}" type="datetimeFigureOut">
               <a:rPr lang="en-US" dirty="0"/>
-              <a:t>7/18/2017</a:t>
+              <a:t>7/1/2024</a:t>
             </a:fld>
             <a:endParaRPr lang="en-US" dirty="0"/>
           </a:p>
@@ -1320,7 +1316,7 @@
           <a:p>
             <a:fld id="{20EBB0C4-6273-4C6E-B9BD-2EDC30F1CD52}" type="datetimeFigureOut">
               <a:rPr lang="en-US" dirty="0"/>
-              <a:t>7/18/2017</a:t>
+              <a:t>7/1/2024</a:t>
             </a:fld>
             <a:endParaRPr lang="en-US" dirty="0"/>
           </a:p>
@@ -1590,7 +1586,7 @@
           <a:p>
             <a:fld id="{19AB4D41-86C1-4908-B66A-0B50CEB3BF29}" type="datetimeFigureOut">
               <a:rPr lang="en-US" dirty="0"/>
-              <a:t>7/18/2017</a:t>
+              <a:t>7/1/2024</a:t>
             </a:fld>
             <a:endParaRPr lang="en-US" dirty="0"/>
           </a:p>
@@ -1964,7 +1960,7 @@
           <a:p>
             <a:fld id="{E6426E2C-56C1-4E0D-A793-0088A7FDD37E}" type="datetimeFigureOut">
               <a:rPr lang="en-US" dirty="0"/>
-              <a:t>7/18/2017</a:t>
+              <a:t>7/1/2024</a:t>
             </a:fld>
             <a:endParaRPr lang="en-US" dirty="0"/>
           </a:p>
@@ -2077,7 +2073,7 @@
           <a:p>
             <a:fld id="{C8C39B41-D8B5-4052-B551-9B5525EAA8B6}" type="datetimeFigureOut">
               <a:rPr lang="en-US" dirty="0"/>
-              <a:t>7/18/2017</a:t>
+              <a:t>7/1/2024</a:t>
             </a:fld>
             <a:endParaRPr lang="en-US" dirty="0"/>
           </a:p>
@@ -2243,7 +2239,7 @@
           <a:p>
             <a:fld id="{4D94136C-8742-45B2-AF27-D93DF72833A9}" type="datetimeFigureOut">
               <a:rPr lang="en-US" dirty="0"/>
-              <a:t>7/18/2017</a:t>
+              <a:t>7/1/2024</a:t>
             </a:fld>
             <a:endParaRPr lang="en-US" dirty="0"/>
           </a:p>
@@ -2593,7 +2589,7 @@
           <a:p>
             <a:fld id="{32ABBEA6-7C60-4B02-AE87-00D78D8422AF}" type="datetimeFigureOut">
               <a:rPr lang="en-US" dirty="0"/>
-              <a:t>7/18/2017</a:t>
+              <a:t>7/1/2024</a:t>
             </a:fld>
             <a:endParaRPr lang="en-US" dirty="0"/>
           </a:p>
@@ -2971,7 +2967,7 @@
           <a:p>
             <a:fld id="{C9CAD897-D46E-4AD2-BD9B-49DD3E640873}" type="datetimeFigureOut">
               <a:rPr lang="en-US" dirty="0"/>
-              <a:t>7/18/2017</a:t>
+              <a:t>7/1/2024</a:t>
             </a:fld>
             <a:endParaRPr lang="en-US" dirty="0"/>
           </a:p>
@@ -3253,7 +3249,7 @@
           <a:p>
             <a:fld id="{98624D31-43A5-475A-80CF-332C9F6DCF35}" type="datetimeFigureOut">
               <a:rPr lang="en-US" dirty="0"/>
-              <a:t>7/18/2017</a:t>
+              <a:t>7/1/2024</a:t>
             </a:fld>
             <a:endParaRPr lang="en-US" dirty="0"/>
           </a:p>
@@ -6033,9 +6029,7 @@
       </p:grpSpPr>
       <p:sp useBgFill="1">
         <p:nvSpPr>
-          <p:cNvPr id="7" name="Rectangle 6">
-            <a:extLst/>
-          </p:cNvPr>
+          <p:cNvPr id="7" name="Rectangle 6"/>
           <p:cNvSpPr>
             <a:spLocks noGrp="1" noRot="1" noChangeAspect="1" noMove="1" noResize="1" noEditPoints="1" noAdjustHandles="1" noChangeArrowheads="1" noChangeShapeType="1" noTextEdit="1"/>
           </p:cNvSpPr>
@@ -6086,9 +6080,7 @@
       </p:sp>
       <p:sp>
         <p:nvSpPr>
-          <p:cNvPr id="9" name="Rectangle 8">
-            <a:extLst/>
-          </p:cNvPr>
+          <p:cNvPr id="9" name="Rectangle 8"/>
           <p:cNvSpPr>
             <a:spLocks noGrp="1" noRot="1" noChangeAspect="1" noMove="1" noResize="1" noEditPoints="1" noAdjustHandles="1" noChangeArrowheads="1" noChangeShapeType="1" noTextEdit="1"/>
           </p:cNvSpPr>
@@ -6134,9 +6126,7 @@
       </p:sp>
       <p:sp>
         <p:nvSpPr>
-          <p:cNvPr id="11" name="Rectangle 10">
-            <a:extLst/>
-          </p:cNvPr>
+          <p:cNvPr id="11" name="Rectangle 10"/>
           <p:cNvSpPr>
             <a:spLocks noGrp="1" noRot="1" noChangeAspect="1" noMove="1" noResize="1" noEditPoints="1" noAdjustHandles="1" noChangeArrowheads="1" noChangeShapeType="1" noTextEdit="1"/>
           </p:cNvSpPr>
@@ -8315,9 +8305,7 @@
       </p:grpSpPr>
       <p:sp useBgFill="1">
         <p:nvSpPr>
-          <p:cNvPr id="7" name="Rectangle 6">
-            <a:extLst/>
-          </p:cNvPr>
+          <p:cNvPr id="7" name="Rectangle 6"/>
           <p:cNvSpPr>
             <a:spLocks noGrp="1" noRot="1" noChangeAspect="1" noMove="1" noResize="1" noEditPoints="1" noAdjustHandles="1" noChangeArrowheads="1" noChangeShapeType="1" noTextEdit="1"/>
           </p:cNvSpPr>
@@ -8368,9 +8356,7 @@
       </p:sp>
       <p:sp>
         <p:nvSpPr>
-          <p:cNvPr id="9" name="Rectangle 8">
-            <a:extLst/>
-          </p:cNvPr>
+          <p:cNvPr id="9" name="Rectangle 8"/>
           <p:cNvSpPr>
             <a:spLocks noGrp="1" noRot="1" noChangeAspect="1" noMove="1" noResize="1" noEditPoints="1" noAdjustHandles="1" noChangeArrowheads="1" noChangeShapeType="1" noTextEdit="1"/>
           </p:cNvSpPr>
@@ -8416,9 +8402,7 @@
       </p:sp>
       <p:sp>
         <p:nvSpPr>
-          <p:cNvPr id="11" name="Rectangle 10">
-            <a:extLst/>
-          </p:cNvPr>
+          <p:cNvPr id="11" name="Rectangle 10"/>
           <p:cNvSpPr>
             <a:spLocks noGrp="1" noRot="1" noChangeAspect="1" noMove="1" noResize="1" noEditPoints="1" noAdjustHandles="1" noChangeArrowheads="1" noChangeShapeType="1" noTextEdit="1"/>
           </p:cNvSpPr>
